--- a/lecture-slides_upload/lab-activity/2-Documentation.pptx
+++ b/lecture-slides_upload/lab-activity/2-Documentation.pptx
@@ -272,7 +272,7 @@
           <a:p>
             <a:fld id="{82B98BC3-4352-C44A-9C7D-092B71919C66}" type="datetimeFigureOut">
               <a:rPr lang="en-US" smtClean="0"/>
-              <a:t>9/15/22</a:t>
+              <a:t>1/24/24</a:t>
             </a:fld>
             <a:endParaRPr lang="en-US"/>
           </a:p>
@@ -470,7 +470,7 @@
           <a:p>
             <a:fld id="{82B98BC3-4352-C44A-9C7D-092B71919C66}" type="datetimeFigureOut">
               <a:rPr lang="en-US" smtClean="0"/>
-              <a:t>9/15/22</a:t>
+              <a:t>1/24/24</a:t>
             </a:fld>
             <a:endParaRPr lang="en-US"/>
           </a:p>
@@ -678,7 +678,7 @@
           <a:p>
             <a:fld id="{82B98BC3-4352-C44A-9C7D-092B71919C66}" type="datetimeFigureOut">
               <a:rPr lang="en-US" smtClean="0"/>
-              <a:t>9/15/22</a:t>
+              <a:t>1/24/24</a:t>
             </a:fld>
             <a:endParaRPr lang="en-US"/>
           </a:p>
@@ -876,7 +876,7 @@
           <a:p>
             <a:fld id="{82B98BC3-4352-C44A-9C7D-092B71919C66}" type="datetimeFigureOut">
               <a:rPr lang="en-US" smtClean="0"/>
-              <a:t>9/15/22</a:t>
+              <a:t>1/24/24</a:t>
             </a:fld>
             <a:endParaRPr lang="en-US"/>
           </a:p>
@@ -1151,7 +1151,7 @@
           <a:p>
             <a:fld id="{82B98BC3-4352-C44A-9C7D-092B71919C66}" type="datetimeFigureOut">
               <a:rPr lang="en-US" smtClean="0"/>
-              <a:t>9/15/22</a:t>
+              <a:t>1/24/24</a:t>
             </a:fld>
             <a:endParaRPr lang="en-US"/>
           </a:p>
@@ -1416,7 +1416,7 @@
           <a:p>
             <a:fld id="{82B98BC3-4352-C44A-9C7D-092B71919C66}" type="datetimeFigureOut">
               <a:rPr lang="en-US" smtClean="0"/>
-              <a:t>9/15/22</a:t>
+              <a:t>1/24/24</a:t>
             </a:fld>
             <a:endParaRPr lang="en-US"/>
           </a:p>
@@ -1828,7 +1828,7 @@
           <a:p>
             <a:fld id="{82B98BC3-4352-C44A-9C7D-092B71919C66}" type="datetimeFigureOut">
               <a:rPr lang="en-US" smtClean="0"/>
-              <a:t>9/15/22</a:t>
+              <a:t>1/24/24</a:t>
             </a:fld>
             <a:endParaRPr lang="en-US"/>
           </a:p>
@@ -1969,7 +1969,7 @@
           <a:p>
             <a:fld id="{82B98BC3-4352-C44A-9C7D-092B71919C66}" type="datetimeFigureOut">
               <a:rPr lang="en-US" smtClean="0"/>
-              <a:t>9/15/22</a:t>
+              <a:t>1/24/24</a:t>
             </a:fld>
             <a:endParaRPr lang="en-US"/>
           </a:p>
@@ -2082,7 +2082,7 @@
           <a:p>
             <a:fld id="{82B98BC3-4352-C44A-9C7D-092B71919C66}" type="datetimeFigureOut">
               <a:rPr lang="en-US" smtClean="0"/>
-              <a:t>9/15/22</a:t>
+              <a:t>1/24/24</a:t>
             </a:fld>
             <a:endParaRPr lang="en-US"/>
           </a:p>
@@ -2393,7 +2393,7 @@
           <a:p>
             <a:fld id="{82B98BC3-4352-C44A-9C7D-092B71919C66}" type="datetimeFigureOut">
               <a:rPr lang="en-US" smtClean="0"/>
-              <a:t>9/15/22</a:t>
+              <a:t>1/24/24</a:t>
             </a:fld>
             <a:endParaRPr lang="en-US"/>
           </a:p>
@@ -2681,7 +2681,7 @@
           <a:p>
             <a:fld id="{82B98BC3-4352-C44A-9C7D-092B71919C66}" type="datetimeFigureOut">
               <a:rPr lang="en-US" smtClean="0"/>
-              <a:t>9/15/22</a:t>
+              <a:t>1/24/24</a:t>
             </a:fld>
             <a:endParaRPr lang="en-US"/>
           </a:p>
@@ -2922,7 +2922,7 @@
           <a:p>
             <a:fld id="{82B98BC3-4352-C44A-9C7D-092B71919C66}" type="datetimeFigureOut">
               <a:rPr lang="en-US" smtClean="0"/>
-              <a:t>9/15/22</a:t>
+              <a:t>1/24/24</a:t>
             </a:fld>
             <a:endParaRPr lang="en-US"/>
           </a:p>
@@ -5454,19 +5454,7 @@
               <a:rPr lang="en-US" dirty="0">
                 <a:hlinkClick r:id="rId2"/>
               </a:rPr>
-              <a:t>from Spencer, J</a:t>
-            </a:r>
-            <a:r>
-              <a:rPr lang="en-US" dirty="0">
-                <a:hlinkClick r:id="rId2"/>
-              </a:rPr>
-              <a:t> (2017)</a:t>
-            </a:r>
-            <a:r>
-              <a:rPr lang="en-US" dirty="0">
-                <a:hlinkClick r:id="rId2"/>
-              </a:rPr>
-              <a:t> “The life changing magic of tidying up your data: The art and science of making data usable.</a:t>
+              <a:t>from Spencer, J (2017) “The life changing magic of tidying up your data: The art and science of making data usable.</a:t>
             </a:r>
             <a:endParaRPr lang="en-US" dirty="0"/>
           </a:p>
@@ -5490,7 +5478,7 @@
         <p:spPr>
           <a:xfrm>
             <a:off x="838200" y="1815353"/>
-            <a:ext cx="10174941" cy="3785652"/>
+            <a:ext cx="10174941" cy="4154984"/>
           </a:xfrm>
           <a:prstGeom prst="rect">
             <a:avLst/>
@@ -5539,7 +5527,7 @@
             </a:pPr>
             <a:r>
               <a:rPr lang="en-US" sz="2400" dirty="0"/>
-              <a:t>column names represent variable values</a:t>
+              <a:t>DON’T: have column names represent variable values</a:t>
             </a:r>
           </a:p>
           <a:p>
@@ -5549,7 +5537,7 @@
             </a:pPr>
             <a:r>
               <a:rPr lang="en-US" sz="2400" dirty="0"/>
-              <a:t>single column contains values for multiple variables</a:t>
+              <a:t>DON’T: let single columns contain values for multiple variables</a:t>
             </a:r>
           </a:p>
           <a:p>
@@ -5559,7 +5547,7 @@
             </a:pPr>
             <a:r>
               <a:rPr lang="en-US" sz="2400" dirty="0"/>
-              <a:t>variables are contained in both rows and columns</a:t>
+              <a:t>DON’T: have variables in both rows and columns</a:t>
             </a:r>
           </a:p>
           <a:p>
@@ -5569,7 +5557,7 @@
             </a:pPr>
             <a:r>
               <a:rPr lang="en-US" sz="2400" dirty="0"/>
-              <a:t>data for an observational unit is spread across multiple data sets/files</a:t>
+              <a:t>DON’T: have data for one observational unit spread across multiple data sets/files</a:t>
             </a:r>
           </a:p>
           <a:p>
@@ -5808,19 +5796,7 @@
               <a:rPr lang="en-US" dirty="0">
                 <a:hlinkClick r:id="rId4"/>
               </a:rPr>
-              <a:t>from Spencer, J</a:t>
-            </a:r>
-            <a:r>
-              <a:rPr lang="en-US" dirty="0">
-                <a:hlinkClick r:id="rId4"/>
-              </a:rPr>
-              <a:t> (2017)</a:t>
-            </a:r>
-            <a:r>
-              <a:rPr lang="en-US" dirty="0">
-                <a:hlinkClick r:id="rId4"/>
-              </a:rPr>
-              <a:t> “The life changing magic of tidying up your data: The art and science of making data usable.</a:t>
+              <a:t>from Spencer, J (2017) “The life changing magic of tidying up your data: The art and science of making data usable.</a:t>
             </a:r>
             <a:endParaRPr lang="en-US" dirty="0"/>
           </a:p>

--- a/lecture-slides_upload/lab-activity/2-Documentation.pptx
+++ b/lecture-slides_upload/lab-activity/2-Documentation.pptx
@@ -6,19 +6,20 @@
   </p:sldMasterIdLst>
   <p:sldIdLst>
     <p:sldId id="256" r:id="rId2"/>
-    <p:sldId id="267" r:id="rId3"/>
-    <p:sldId id="265" r:id="rId4"/>
-    <p:sldId id="268" r:id="rId5"/>
-    <p:sldId id="269" r:id="rId6"/>
-    <p:sldId id="270" r:id="rId7"/>
-    <p:sldId id="271" r:id="rId8"/>
-    <p:sldId id="272" r:id="rId9"/>
-    <p:sldId id="273" r:id="rId10"/>
-    <p:sldId id="257" r:id="rId11"/>
-    <p:sldId id="259" r:id="rId12"/>
-    <p:sldId id="258" r:id="rId13"/>
-    <p:sldId id="260" r:id="rId14"/>
-    <p:sldId id="266" r:id="rId15"/>
+    <p:sldId id="274" r:id="rId3"/>
+    <p:sldId id="267" r:id="rId4"/>
+    <p:sldId id="265" r:id="rId5"/>
+    <p:sldId id="268" r:id="rId6"/>
+    <p:sldId id="269" r:id="rId7"/>
+    <p:sldId id="270" r:id="rId8"/>
+    <p:sldId id="271" r:id="rId9"/>
+    <p:sldId id="272" r:id="rId10"/>
+    <p:sldId id="273" r:id="rId11"/>
+    <p:sldId id="257" r:id="rId12"/>
+    <p:sldId id="259" r:id="rId13"/>
+    <p:sldId id="258" r:id="rId14"/>
+    <p:sldId id="260" r:id="rId15"/>
+    <p:sldId id="266" r:id="rId16"/>
   </p:sldIdLst>
   <p:sldSz cx="12192000" cy="6858000"/>
   <p:notesSz cx="6858000" cy="9144000"/>
@@ -3443,6 +3444,318 @@
       </p:grpSpPr>
       <p:sp>
         <p:nvSpPr>
+          <p:cNvPr id="4" name="TextBox 3">
+            <a:extLst>
+              <a:ext uri="{FF2B5EF4-FFF2-40B4-BE49-F238E27FC236}">
+                <a16:creationId xmlns:a16="http://schemas.microsoft.com/office/drawing/2014/main" id="{65024024-608B-B945-A315-4189BA373550}"/>
+              </a:ext>
+            </a:extLst>
+          </p:cNvPr>
+          <p:cNvSpPr txBox="1"/>
+          <p:nvPr/>
+        </p:nvSpPr>
+        <p:spPr>
+          <a:xfrm>
+            <a:off x="115909" y="1339403"/>
+            <a:ext cx="11626901" cy="4801314"/>
+          </a:xfrm>
+          <a:prstGeom prst="rect">
+            <a:avLst/>
+          </a:prstGeom>
+          <a:noFill/>
+        </p:spPr>
+        <p:txBody>
+          <a:bodyPr wrap="none" rtlCol="0">
+            <a:spAutoFit/>
+          </a:bodyPr>
+          <a:lstStyle/>
+          <a:p>
+            <a:r>
+              <a:rPr lang="en-US" dirty="0">
+                <a:latin typeface="Andale Mono" panose="020B0509000000000004" pitchFamily="49" charset="0"/>
+              </a:rPr>
+              <a:t>class-activities/</a:t>
+            </a:r>
+          </a:p>
+          <a:p>
+            <a:r>
+              <a:rPr lang="en-US" dirty="0">
+                <a:latin typeface="Andale Mono" panose="020B0509000000000004" pitchFamily="49" charset="0"/>
+              </a:rPr>
+              <a:t>    ├── week1-setup-import</a:t>
+            </a:r>
+          </a:p>
+          <a:p>
+            <a:r>
+              <a:rPr lang="en-US" dirty="0">
+                <a:latin typeface="Andale Mono" panose="020B0509000000000004" pitchFamily="49" charset="0"/>
+              </a:rPr>
+              <a:t>    │   ├── week1-setup-import.Rproj	# RStudio project file</a:t>
+            </a:r>
+          </a:p>
+          <a:p>
+            <a:r>
+              <a:rPr lang="en-US" dirty="0">
+                <a:latin typeface="Andale Mono" panose="020B0509000000000004" pitchFamily="49" charset="0"/>
+              </a:rPr>
+              <a:t>    │   ├── data	# save raw datasets here</a:t>
+            </a:r>
+          </a:p>
+          <a:p>
+            <a:r>
+              <a:rPr lang="en-US" dirty="0">
+                <a:latin typeface="Andale Mono" panose="020B0509000000000004" pitchFamily="49" charset="0"/>
+              </a:rPr>
+              <a:t>    │   │   └── </a:t>
+            </a:r>
+            <a:r>
+              <a:rPr lang="en-US" dirty="0" err="1">
+                <a:latin typeface="Andale Mono" panose="020B0509000000000004" pitchFamily="49" charset="0"/>
+              </a:rPr>
+              <a:t>dataset.csv</a:t>
+            </a:r>
+            <a:r>
+              <a:rPr lang="en-US" dirty="0">
+                <a:latin typeface="Andale Mono" panose="020B0509000000000004" pitchFamily="49" charset="0"/>
+              </a:rPr>
+              <a:t>	</a:t>
+            </a:r>
+          </a:p>
+          <a:p>
+            <a:r>
+              <a:rPr lang="en-US" dirty="0">
+                <a:latin typeface="Andale Mono" panose="020B0509000000000004" pitchFamily="49" charset="0"/>
+              </a:rPr>
+              <a:t>    │   ├── </a:t>
+            </a:r>
+            <a:r>
+              <a:rPr lang="en-US" dirty="0" err="1">
+                <a:latin typeface="Andale Mono" panose="020B0509000000000004" pitchFamily="49" charset="0"/>
+              </a:rPr>
+              <a:t>r_docs</a:t>
+            </a:r>
+            <a:r>
+              <a:rPr lang="en-US" dirty="0">
+                <a:latin typeface="Andale Mono" panose="020B0509000000000004" pitchFamily="49" charset="0"/>
+              </a:rPr>
+              <a:t>	# save R analysis work here </a:t>
+            </a:r>
+          </a:p>
+          <a:p>
+            <a:r>
+              <a:rPr lang="en-US" dirty="0">
+                <a:latin typeface="Andale Mono" panose="020B0509000000000004" pitchFamily="49" charset="0"/>
+              </a:rPr>
+              <a:t>    │   │   ├── week1-setup-import.Rmd	# analysis code, charts, &amp; notes</a:t>
+            </a:r>
+          </a:p>
+          <a:p>
+            <a:r>
+              <a:rPr lang="en-US" dirty="0">
+                <a:latin typeface="Andale Mono" panose="020B0509000000000004" pitchFamily="49" charset="0"/>
+              </a:rPr>
+              <a:t>    │   │   └── week1-setup-import.html # knit version of *.</a:t>
+            </a:r>
+            <a:r>
+              <a:rPr lang="en-US" dirty="0" err="1">
+                <a:latin typeface="Andale Mono" panose="020B0509000000000004" pitchFamily="49" charset="0"/>
+              </a:rPr>
+              <a:t>Rmd</a:t>
+            </a:r>
+            <a:r>
+              <a:rPr lang="en-US" dirty="0">
+                <a:latin typeface="Andale Mono" panose="020B0509000000000004" pitchFamily="49" charset="0"/>
+              </a:rPr>
+              <a:t> file</a:t>
+            </a:r>
+          </a:p>
+          <a:p>
+            <a:r>
+              <a:rPr lang="en-US" dirty="0">
+                <a:latin typeface="Andale Mono" panose="020B0509000000000004" pitchFamily="49" charset="0"/>
+              </a:rPr>
+              <a:t>    │   ├── </a:t>
+            </a:r>
+            <a:r>
+              <a:rPr lang="en-US" dirty="0" err="1">
+                <a:latin typeface="Andale Mono" panose="020B0509000000000004" pitchFamily="49" charset="0"/>
+              </a:rPr>
+              <a:t>spss</a:t>
+            </a:r>
+            <a:r>
+              <a:rPr lang="en-US" dirty="0">
+                <a:latin typeface="Andale Mono" panose="020B0509000000000004" pitchFamily="49" charset="0"/>
+              </a:rPr>
+              <a:t>	# save all </a:t>
+            </a:r>
+            <a:r>
+              <a:rPr lang="en-US" dirty="0" err="1">
+                <a:latin typeface="Andale Mono" panose="020B0509000000000004" pitchFamily="49" charset="0"/>
+              </a:rPr>
+              <a:t>spss</a:t>
+            </a:r>
+            <a:r>
+              <a:rPr lang="en-US" dirty="0">
+                <a:latin typeface="Andale Mono" panose="020B0509000000000004" pitchFamily="49" charset="0"/>
+              </a:rPr>
+              <a:t> files here</a:t>
+            </a:r>
+          </a:p>
+          <a:p>
+            <a:r>
+              <a:rPr lang="en-US" dirty="0">
+                <a:latin typeface="Andale Mono" panose="020B0509000000000004" pitchFamily="49" charset="0"/>
+              </a:rPr>
+              <a:t>    │   │   ├── week1-setup-import.sav 		# </a:t>
+            </a:r>
+            <a:r>
+              <a:rPr lang="en-US" dirty="0" err="1">
+                <a:latin typeface="Andale Mono" panose="020B0509000000000004" pitchFamily="49" charset="0"/>
+              </a:rPr>
+              <a:t>spss</a:t>
+            </a:r>
+            <a:r>
+              <a:rPr lang="en-US" dirty="0">
+                <a:latin typeface="Andale Mono" panose="020B0509000000000004" pitchFamily="49" charset="0"/>
+              </a:rPr>
+              <a:t> datafile</a:t>
+            </a:r>
+          </a:p>
+          <a:p>
+            <a:r>
+              <a:rPr lang="en-US" dirty="0">
+                <a:latin typeface="Andale Mono" panose="020B0509000000000004" pitchFamily="49" charset="0"/>
+              </a:rPr>
+              <a:t>    │   │   ├── week1-setup-import-syntax.sps	# </a:t>
+            </a:r>
+            <a:r>
+              <a:rPr lang="en-US" dirty="0" err="1">
+                <a:latin typeface="Andale Mono" panose="020B0509000000000004" pitchFamily="49" charset="0"/>
+              </a:rPr>
+              <a:t>spss</a:t>
+            </a:r>
+            <a:r>
+              <a:rPr lang="en-US" dirty="0">
+                <a:latin typeface="Andale Mono" panose="020B0509000000000004" pitchFamily="49" charset="0"/>
+              </a:rPr>
+              <a:t> syntax (analysis code)</a:t>
+            </a:r>
+          </a:p>
+          <a:p>
+            <a:r>
+              <a:rPr lang="en-US" dirty="0">
+                <a:latin typeface="Andale Mono" panose="020B0509000000000004" pitchFamily="49" charset="0"/>
+              </a:rPr>
+              <a:t>    │   │   ├── week1-setup-import-output.spv	# </a:t>
+            </a:r>
+            <a:r>
+              <a:rPr lang="en-US" dirty="0" err="1">
+                <a:latin typeface="Andale Mono" panose="020B0509000000000004" pitchFamily="49" charset="0"/>
+              </a:rPr>
+              <a:t>spss</a:t>
+            </a:r>
+            <a:r>
+              <a:rPr lang="en-US" dirty="0">
+                <a:latin typeface="Andale Mono" panose="020B0509000000000004" pitchFamily="49" charset="0"/>
+              </a:rPr>
+              <a:t> output file (code &amp; charts)</a:t>
+            </a:r>
+          </a:p>
+          <a:p>
+            <a:r>
+              <a:rPr lang="en-US" dirty="0">
+                <a:latin typeface="Andale Mono" panose="020B0509000000000004" pitchFamily="49" charset="0"/>
+              </a:rPr>
+              <a:t>    │   │   └── week1-setup-import-notes.{txt/doc/</a:t>
+            </a:r>
+            <a:r>
+              <a:rPr lang="en-US" dirty="0" err="1">
+                <a:latin typeface="Andale Mono" panose="020B0509000000000004" pitchFamily="49" charset="0"/>
+              </a:rPr>
+              <a:t>etc</a:t>
+            </a:r>
+            <a:r>
+              <a:rPr lang="en-US" dirty="0">
+                <a:latin typeface="Andale Mono" panose="020B0509000000000004" pitchFamily="49" charset="0"/>
+              </a:rPr>
+              <a:t>}  # notes in your </a:t>
+            </a:r>
+            <a:r>
+              <a:rPr lang="en-US" dirty="0" err="1">
+                <a:latin typeface="Andale Mono" panose="020B0509000000000004" pitchFamily="49" charset="0"/>
+              </a:rPr>
+              <a:t>fave</a:t>
+            </a:r>
+            <a:r>
+              <a:rPr lang="en-US" dirty="0">
+                <a:latin typeface="Andale Mono" panose="020B0509000000000004" pitchFamily="49" charset="0"/>
+              </a:rPr>
+              <a:t> format</a:t>
+            </a:r>
+          </a:p>
+          <a:p>
+            <a:r>
+              <a:rPr lang="en-US" dirty="0">
+                <a:latin typeface="Andale Mono" panose="020B0509000000000004" pitchFamily="49" charset="0"/>
+              </a:rPr>
+              <a:t>    │   └── images	#if needed, save chart images here</a:t>
+            </a:r>
+          </a:p>
+          <a:p>
+            <a:r>
+              <a:rPr lang="en-US" dirty="0">
+                <a:latin typeface="Andale Mono" panose="020B0509000000000004" pitchFamily="49" charset="0"/>
+              </a:rPr>
+              <a:t>    │       ├── fig1.png	</a:t>
+            </a:r>
+          </a:p>
+          <a:p>
+            <a:r>
+              <a:rPr lang="en-US" dirty="0">
+                <a:latin typeface="Andale Mono" panose="020B0509000000000004" pitchFamily="49" charset="0"/>
+              </a:rPr>
+              <a:t>    │       └── fig1.svg</a:t>
+            </a:r>
+          </a:p>
+          <a:p>
+            <a:endParaRPr lang="en-US" dirty="0">
+              <a:latin typeface="Andale Mono" panose="020B0509000000000004" pitchFamily="49" charset="0"/>
+            </a:endParaRPr>
+          </a:p>
+        </p:txBody>
+      </p:sp>
+    </p:spTree>
+    <p:extLst>
+      <p:ext uri="{BB962C8B-B14F-4D97-AF65-F5344CB8AC3E}">
+        <p14:creationId xmlns:p14="http://schemas.microsoft.com/office/powerpoint/2010/main" val="3009446259"/>
+      </p:ext>
+    </p:extLst>
+  </p:cSld>
+  <p:clrMapOvr>
+    <a:masterClrMapping/>
+  </p:clrMapOvr>
+</p:sld>
+</file>
+
+<file path=ppt/slides/slide11.xml><?xml version="1.0" encoding="utf-8"?>
+<p:sld xmlns:a="http://schemas.openxmlformats.org/drawingml/2006/main" xmlns:r="http://schemas.openxmlformats.org/officeDocument/2006/relationships" xmlns:p="http://schemas.openxmlformats.org/presentationml/2006/main">
+  <p:cSld>
+    <p:spTree>
+      <p:nvGrpSpPr>
+        <p:cNvPr id="1" name=""/>
+        <p:cNvGrpSpPr/>
+        <p:nvPr/>
+      </p:nvGrpSpPr>
+      <p:grpSpPr>
+        <a:xfrm>
+          <a:off x="0" y="0"/>
+          <a:ext cx="0" cy="0"/>
+          <a:chOff x="0" y="0"/>
+          <a:chExt cx="0" cy="0"/>
+        </a:xfrm>
+      </p:grpSpPr>
+      <p:sp>
+        <p:nvSpPr>
           <p:cNvPr id="2" name="Title 1">
             <a:extLst>
               <a:ext uri="{FF2B5EF4-FFF2-40B4-BE49-F238E27FC236}">
@@ -3606,7 +3919,7 @@
 </p:sld>
 </file>
 
-<file path=ppt/slides/slide11.xml><?xml version="1.0" encoding="utf-8"?>
+<file path=ppt/slides/slide12.xml><?xml version="1.0" encoding="utf-8"?>
 <p:sld xmlns:a="http://schemas.openxmlformats.org/drawingml/2006/main" xmlns:r="http://schemas.openxmlformats.org/officeDocument/2006/relationships" xmlns:p="http://schemas.openxmlformats.org/presentationml/2006/main">
   <p:cSld>
     <p:spTree>
@@ -3755,7 +4068,7 @@
 </p:sld>
 </file>
 
-<file path=ppt/slides/slide12.xml><?xml version="1.0" encoding="utf-8"?>
+<file path=ppt/slides/slide13.xml><?xml version="1.0" encoding="utf-8"?>
 <p:sld xmlns:a="http://schemas.openxmlformats.org/drawingml/2006/main" xmlns:r="http://schemas.openxmlformats.org/officeDocument/2006/relationships" xmlns:p="http://schemas.openxmlformats.org/presentationml/2006/main">
   <p:cSld>
     <p:spTree>
@@ -4085,7 +4398,7 @@
 </p:sld>
 </file>
 
-<file path=ppt/slides/slide13.xml><?xml version="1.0" encoding="utf-8"?>
+<file path=ppt/slides/slide14.xml><?xml version="1.0" encoding="utf-8"?>
 <p:sld xmlns:a="http://schemas.openxmlformats.org/drawingml/2006/main" xmlns:r="http://schemas.openxmlformats.org/officeDocument/2006/relationships" xmlns:p="http://schemas.openxmlformats.org/presentationml/2006/main">
   <p:cSld>
     <p:spTree>
@@ -4369,7 +4682,7 @@
 </p:sld>
 </file>
 
-<file path=ppt/slides/slide14.xml><?xml version="1.0" encoding="utf-8"?>
+<file path=ppt/slides/slide15.xml><?xml version="1.0" encoding="utf-8"?>
 <p:sld xmlns:a="http://schemas.openxmlformats.org/drawingml/2006/main" xmlns:r="http://schemas.openxmlformats.org/officeDocument/2006/relationships" xmlns:p="http://schemas.openxmlformats.org/presentationml/2006/main">
   <p:cSld>
     <p:spTree>
@@ -4625,6 +4938,123 @@
           <p:cNvPr id="2" name="Title 1">
             <a:extLst>
               <a:ext uri="{FF2B5EF4-FFF2-40B4-BE49-F238E27FC236}">
+                <a16:creationId xmlns:a16="http://schemas.microsoft.com/office/drawing/2014/main" id="{8E9BCA62-2A47-0231-A97B-580FC4B7A69E}"/>
+              </a:ext>
+            </a:extLst>
+          </p:cNvPr>
+          <p:cNvSpPr>
+            <a:spLocks noGrp="1"/>
+          </p:cNvSpPr>
+          <p:nvPr>
+            <p:ph type="title"/>
+          </p:nvPr>
+        </p:nvSpPr>
+        <p:spPr/>
+        <p:txBody>
+          <a:bodyPr/>
+          <a:lstStyle/>
+          <a:p>
+            <a:r>
+              <a:rPr lang="en-US" dirty="0"/>
+              <a:t>Note</a:t>
+            </a:r>
+          </a:p>
+        </p:txBody>
+      </p:sp>
+      <p:sp>
+        <p:nvSpPr>
+          <p:cNvPr id="3" name="Content Placeholder 2">
+            <a:extLst>
+              <a:ext uri="{FF2B5EF4-FFF2-40B4-BE49-F238E27FC236}">
+                <a16:creationId xmlns:a16="http://schemas.microsoft.com/office/drawing/2014/main" id="{C4716E6E-20F2-1F21-8101-D0B036E44CF6}"/>
+              </a:ext>
+            </a:extLst>
+          </p:cNvPr>
+          <p:cNvSpPr>
+            <a:spLocks noGrp="1"/>
+          </p:cNvSpPr>
+          <p:nvPr>
+            <p:ph idx="1"/>
+          </p:nvPr>
+        </p:nvSpPr>
+        <p:spPr/>
+        <p:txBody>
+          <a:bodyPr/>
+          <a:lstStyle/>
+          <a:p>
+            <a:r>
+              <a:rPr lang="en-US" dirty="0"/>
+              <a:t>Install one more package in R:</a:t>
+            </a:r>
+          </a:p>
+          <a:p>
+            <a:pPr lvl="1"/>
+            <a:r>
+              <a:rPr lang="en-US" dirty="0" err="1">
+                <a:latin typeface="Courier New" panose="02070309020205020404" pitchFamily="49" charset="0"/>
+                <a:cs typeface="Courier New" panose="02070309020205020404" pitchFamily="49" charset="0"/>
+              </a:rPr>
+              <a:t>install.packages</a:t>
+            </a:r>
+            <a:r>
+              <a:rPr lang="en-US" dirty="0">
+                <a:latin typeface="Courier New" panose="02070309020205020404" pitchFamily="49" charset="0"/>
+                <a:cs typeface="Courier New" panose="02070309020205020404" pitchFamily="49" charset="0"/>
+              </a:rPr>
+              <a:t>(“</a:t>
+            </a:r>
+            <a:r>
+              <a:rPr lang="en-US" dirty="0" err="1">
+                <a:latin typeface="Courier New" panose="02070309020205020404" pitchFamily="49" charset="0"/>
+                <a:cs typeface="Courier New" panose="02070309020205020404" pitchFamily="49" charset="0"/>
+              </a:rPr>
+              <a:t>Hmisc</a:t>
+            </a:r>
+            <a:r>
+              <a:rPr lang="en-US" dirty="0">
+                <a:latin typeface="Courier New" panose="02070309020205020404" pitchFamily="49" charset="0"/>
+                <a:cs typeface="Courier New" panose="02070309020205020404" pitchFamily="49" charset="0"/>
+              </a:rPr>
+              <a:t>”)</a:t>
+            </a:r>
+          </a:p>
+        </p:txBody>
+      </p:sp>
+    </p:spTree>
+    <p:extLst>
+      <p:ext uri="{BB962C8B-B14F-4D97-AF65-F5344CB8AC3E}">
+        <p14:creationId xmlns:p14="http://schemas.microsoft.com/office/powerpoint/2010/main" val="552995528"/>
+      </p:ext>
+    </p:extLst>
+  </p:cSld>
+  <p:clrMapOvr>
+    <a:masterClrMapping/>
+  </p:clrMapOvr>
+</p:sld>
+</file>
+
+<file path=ppt/slides/slide3.xml><?xml version="1.0" encoding="utf-8"?>
+<p:sld xmlns:a="http://schemas.openxmlformats.org/drawingml/2006/main" xmlns:r="http://schemas.openxmlformats.org/officeDocument/2006/relationships" xmlns:p="http://schemas.openxmlformats.org/presentationml/2006/main">
+  <p:cSld>
+    <p:spTree>
+      <p:nvGrpSpPr>
+        <p:cNvPr id="1" name=""/>
+        <p:cNvGrpSpPr/>
+        <p:nvPr/>
+      </p:nvGrpSpPr>
+      <p:grpSpPr>
+        <a:xfrm>
+          <a:off x="0" y="0"/>
+          <a:ext cx="0" cy="0"/>
+          <a:chOff x="0" y="0"/>
+          <a:chExt cx="0" cy="0"/>
+        </a:xfrm>
+      </p:grpSpPr>
+      <p:sp>
+        <p:nvSpPr>
+          <p:cNvPr id="2" name="Title 1">
+            <a:extLst>
+              <a:ext uri="{FF2B5EF4-FFF2-40B4-BE49-F238E27FC236}">
                 <a16:creationId xmlns:a16="http://schemas.microsoft.com/office/drawing/2014/main" id="{E654ED02-C955-DFED-49A6-90E7BF33319A}"/>
               </a:ext>
             </a:extLst>
@@ -4750,7 +5180,7 @@
 </p:sld>
 </file>
 
-<file path=ppt/slides/slide3.xml><?xml version="1.0" encoding="utf-8"?>
+<file path=ppt/slides/slide4.xml><?xml version="1.0" encoding="utf-8"?>
 <p:sld xmlns:a="http://schemas.openxmlformats.org/drawingml/2006/main" xmlns:r="http://schemas.openxmlformats.org/officeDocument/2006/relationships" xmlns:p="http://schemas.openxmlformats.org/presentationml/2006/main">
   <p:cSld>
     <p:spTree>
@@ -4837,7 +5267,7 @@
 </p:sld>
 </file>
 
-<file path=ppt/slides/slide4.xml><?xml version="1.0" encoding="utf-8"?>
+<file path=ppt/slides/slide5.xml><?xml version="1.0" encoding="utf-8"?>
 <p:sld xmlns:a="http://schemas.openxmlformats.org/drawingml/2006/main" xmlns:r="http://schemas.openxmlformats.org/officeDocument/2006/relationships" xmlns:p="http://schemas.openxmlformats.org/presentationml/2006/main">
   <p:cSld>
     <p:spTree>
@@ -4951,129 +5381,6 @@
     <p:extLst>
       <p:ext uri="{BB962C8B-B14F-4D97-AF65-F5344CB8AC3E}">
         <p14:creationId xmlns:p14="http://schemas.microsoft.com/office/powerpoint/2010/main" val="3372063540"/>
-      </p:ext>
-    </p:extLst>
-  </p:cSld>
-  <p:clrMapOvr>
-    <a:masterClrMapping/>
-  </p:clrMapOvr>
-</p:sld>
-</file>
-
-<file path=ppt/slides/slide5.xml><?xml version="1.0" encoding="utf-8"?>
-<p:sld xmlns:a="http://schemas.openxmlformats.org/drawingml/2006/main" xmlns:r="http://schemas.openxmlformats.org/officeDocument/2006/relationships" xmlns:p="http://schemas.openxmlformats.org/presentationml/2006/main">
-  <p:cSld>
-    <p:spTree>
-      <p:nvGrpSpPr>
-        <p:cNvPr id="1" name=""/>
-        <p:cNvGrpSpPr/>
-        <p:nvPr/>
-      </p:nvGrpSpPr>
-      <p:grpSpPr>
-        <a:xfrm>
-          <a:off x="0" y="0"/>
-          <a:ext cx="0" cy="0"/>
-          <a:chOff x="0" y="0"/>
-          <a:chExt cx="0" cy="0"/>
-        </a:xfrm>
-      </p:grpSpPr>
-      <p:sp>
-        <p:nvSpPr>
-          <p:cNvPr id="2" name="Title 1">
-            <a:extLst>
-              <a:ext uri="{FF2B5EF4-FFF2-40B4-BE49-F238E27FC236}">
-                <a16:creationId xmlns:a16="http://schemas.microsoft.com/office/drawing/2014/main" id="{85B89813-ECCB-4EAF-B73A-4F12457F40E1}"/>
-              </a:ext>
-            </a:extLst>
-          </p:cNvPr>
-          <p:cNvSpPr>
-            <a:spLocks noGrp="1"/>
-          </p:cNvSpPr>
-          <p:nvPr>
-            <p:ph type="title"/>
-          </p:nvPr>
-        </p:nvSpPr>
-        <p:spPr/>
-        <p:txBody>
-          <a:bodyPr/>
-          <a:lstStyle/>
-          <a:p>
-            <a:r>
-              <a:rPr lang="en-US" dirty="0"/>
-              <a:t>Data table: long</a:t>
-            </a:r>
-          </a:p>
-        </p:txBody>
-      </p:sp>
-      <p:pic>
-        <p:nvPicPr>
-          <p:cNvPr id="4" name="Picture 3" descr="Table&#10;&#10;Description automatically generated">
-            <a:extLst>
-              <a:ext uri="{FF2B5EF4-FFF2-40B4-BE49-F238E27FC236}">
-                <a16:creationId xmlns:a16="http://schemas.microsoft.com/office/drawing/2014/main" id="{3983D9EB-2402-37E3-0901-002318AA1517}"/>
-              </a:ext>
-            </a:extLst>
-          </p:cNvPr>
-          <p:cNvPicPr>
-            <a:picLocks noChangeAspect="1"/>
-          </p:cNvPicPr>
-          <p:nvPr/>
-        </p:nvPicPr>
-        <p:blipFill>
-          <a:blip r:embed="rId2"/>
-          <a:stretch>
-            <a:fillRect/>
-          </a:stretch>
-        </p:blipFill>
-        <p:spPr>
-          <a:xfrm>
-            <a:off x="1662953" y="1704135"/>
-            <a:ext cx="7010400" cy="4000500"/>
-          </a:xfrm>
-          <a:prstGeom prst="rect">
-            <a:avLst/>
-          </a:prstGeom>
-        </p:spPr>
-      </p:pic>
-      <p:sp>
-        <p:nvSpPr>
-          <p:cNvPr id="6" name="TextBox 5">
-            <a:extLst>
-              <a:ext uri="{FF2B5EF4-FFF2-40B4-BE49-F238E27FC236}">
-                <a16:creationId xmlns:a16="http://schemas.microsoft.com/office/drawing/2014/main" id="{DE9C186F-6399-AD3F-DF24-9A5A0EB23480}"/>
-              </a:ext>
-            </a:extLst>
-          </p:cNvPr>
-          <p:cNvSpPr txBox="1"/>
-          <p:nvPr/>
-        </p:nvSpPr>
-        <p:spPr>
-          <a:xfrm>
-            <a:off x="4611221" y="6123543"/>
-            <a:ext cx="5031442" cy="369332"/>
-          </a:xfrm>
-          <a:prstGeom prst="rect">
-            <a:avLst/>
-          </a:prstGeom>
-          <a:noFill/>
-        </p:spPr>
-        <p:txBody>
-          <a:bodyPr wrap="none" rtlCol="0">
-            <a:spAutoFit/>
-          </a:bodyPr>
-          <a:lstStyle/>
-          <a:p>
-            <a:r>
-              <a:rPr lang="en-US" i="1" dirty="0"/>
-              <a:t>Wickham, H. (2014) Tidy data. J Statistical Software.</a:t>
-            </a:r>
-          </a:p>
-        </p:txBody>
-      </p:sp>
-    </p:spTree>
-    <p:extLst>
-      <p:ext uri="{BB962C8B-B14F-4D97-AF65-F5344CB8AC3E}">
-        <p14:creationId xmlns:p14="http://schemas.microsoft.com/office/powerpoint/2010/main" val="503652629"/>
       </p:ext>
     </p:extLst>
   </p:cSld>
@@ -5123,17 +5430,17 @@
           <a:p>
             <a:r>
               <a:rPr lang="en-US" dirty="0"/>
-              <a:t>Data tables: tidy</a:t>
+              <a:t>Data table: long</a:t>
             </a:r>
           </a:p>
         </p:txBody>
       </p:sp>
       <p:pic>
         <p:nvPicPr>
-          <p:cNvPr id="5" name="Picture 4" descr="Table&#10;&#10;Description automatically generated">
-            <a:extLst>
-              <a:ext uri="{FF2B5EF4-FFF2-40B4-BE49-F238E27FC236}">
-                <a16:creationId xmlns:a16="http://schemas.microsoft.com/office/drawing/2014/main" id="{40625273-F3A9-B335-E86D-4999B457D15E}"/>
+          <p:cNvPr id="4" name="Picture 3" descr="Table&#10;&#10;Description automatically generated">
+            <a:extLst>
+              <a:ext uri="{FF2B5EF4-FFF2-40B4-BE49-F238E27FC236}">
+                <a16:creationId xmlns:a16="http://schemas.microsoft.com/office/drawing/2014/main" id="{3983D9EB-2402-37E3-0901-002318AA1517}"/>
               </a:ext>
             </a:extLst>
           </p:cNvPr>
@@ -5150,120 +5457,20 @@
         </p:blipFill>
         <p:spPr>
           <a:xfrm>
-            <a:off x="5643282" y="1911255"/>
-            <a:ext cx="2260600" cy="4140200"/>
+            <a:off x="1662953" y="1704135"/>
+            <a:ext cx="7010400" cy="4000500"/>
           </a:xfrm>
           <a:prstGeom prst="rect">
             <a:avLst/>
           </a:prstGeom>
         </p:spPr>
       </p:pic>
-      <p:pic>
-        <p:nvPicPr>
-          <p:cNvPr id="7" name="Picture 6" descr="Table&#10;&#10;Description automatically generated">
-            <a:extLst>
-              <a:ext uri="{FF2B5EF4-FFF2-40B4-BE49-F238E27FC236}">
-                <a16:creationId xmlns:a16="http://schemas.microsoft.com/office/drawing/2014/main" id="{28A29DD5-75EA-5D07-32FA-81C6D58F441E}"/>
-              </a:ext>
-            </a:extLst>
-          </p:cNvPr>
-          <p:cNvPicPr>
-            <a:picLocks noChangeAspect="1"/>
-          </p:cNvPicPr>
-          <p:nvPr/>
-        </p:nvPicPr>
-        <p:blipFill>
-          <a:blip r:embed="rId3"/>
-          <a:stretch>
-            <a:fillRect/>
-          </a:stretch>
-        </p:blipFill>
-        <p:spPr>
-          <a:xfrm>
-            <a:off x="461682" y="1936655"/>
-            <a:ext cx="5029200" cy="4114800"/>
-          </a:xfrm>
-          <a:prstGeom prst="rect">
-            <a:avLst/>
-          </a:prstGeom>
-        </p:spPr>
-      </p:pic>
-      <p:sp>
-        <p:nvSpPr>
-          <p:cNvPr id="8" name="TextBox 7">
-            <a:extLst>
-              <a:ext uri="{FF2B5EF4-FFF2-40B4-BE49-F238E27FC236}">
-                <a16:creationId xmlns:a16="http://schemas.microsoft.com/office/drawing/2014/main" id="{981456F7-73F5-3B92-6F77-5E366E30D2BB}"/>
-              </a:ext>
-            </a:extLst>
-          </p:cNvPr>
-          <p:cNvSpPr txBox="1"/>
-          <p:nvPr/>
-        </p:nvSpPr>
-        <p:spPr>
-          <a:xfrm>
-            <a:off x="309282" y="1717861"/>
-            <a:ext cx="2491580" cy="369332"/>
-          </a:xfrm>
-          <a:prstGeom prst="rect">
-            <a:avLst/>
-          </a:prstGeom>
-          <a:noFill/>
-        </p:spPr>
-        <p:txBody>
-          <a:bodyPr wrap="none" rtlCol="0">
-            <a:spAutoFit/>
-          </a:bodyPr>
-          <a:lstStyle/>
-          <a:p>
-            <a:r>
-              <a:rPr lang="en-US" b="1" dirty="0"/>
-              <a:t>observational unit: song</a:t>
-            </a:r>
-          </a:p>
-        </p:txBody>
-      </p:sp>
-      <p:sp>
-        <p:nvSpPr>
-          <p:cNvPr id="9" name="TextBox 8">
-            <a:extLst>
-              <a:ext uri="{FF2B5EF4-FFF2-40B4-BE49-F238E27FC236}">
-                <a16:creationId xmlns:a16="http://schemas.microsoft.com/office/drawing/2014/main" id="{3FF74CA1-D4E5-7751-8FC7-711187F993E3}"/>
-              </a:ext>
-            </a:extLst>
-          </p:cNvPr>
-          <p:cNvSpPr txBox="1"/>
-          <p:nvPr/>
-        </p:nvSpPr>
-        <p:spPr>
-          <a:xfrm>
-            <a:off x="5348197" y="1690688"/>
-            <a:ext cx="3461332" cy="369332"/>
-          </a:xfrm>
-          <a:prstGeom prst="rect">
-            <a:avLst/>
-          </a:prstGeom>
-          <a:noFill/>
-        </p:spPr>
-        <p:txBody>
-          <a:bodyPr wrap="none" rtlCol="0">
-            <a:spAutoFit/>
-          </a:bodyPr>
-          <a:lstStyle/>
-          <a:p>
-            <a:r>
-              <a:rPr lang="en-US" b="1" dirty="0"/>
-              <a:t>observational unit: rank (by week)</a:t>
-            </a:r>
-          </a:p>
-        </p:txBody>
-      </p:sp>
-      <p:sp>
-        <p:nvSpPr>
-          <p:cNvPr id="10" name="TextBox 9">
-            <a:extLst>
-              <a:ext uri="{FF2B5EF4-FFF2-40B4-BE49-F238E27FC236}">
-                <a16:creationId xmlns:a16="http://schemas.microsoft.com/office/drawing/2014/main" id="{3DF189EA-01BE-5F8F-FEBE-54B6EF1B4D20}"/>
+      <p:sp>
+        <p:nvSpPr>
+          <p:cNvPr id="6" name="TextBox 5">
+            <a:extLst>
+              <a:ext uri="{FF2B5EF4-FFF2-40B4-BE49-F238E27FC236}">
+                <a16:creationId xmlns:a16="http://schemas.microsoft.com/office/drawing/2014/main" id="{DE9C186F-6399-AD3F-DF24-9A5A0EB23480}"/>
               </a:ext>
             </a:extLst>
           </p:cNvPr>
@@ -5293,81 +5500,10 @@
           </a:p>
         </p:txBody>
       </p:sp>
-      <p:sp>
-        <p:nvSpPr>
-          <p:cNvPr id="12" name="TextBox 11">
-            <a:extLst>
-              <a:ext uri="{FF2B5EF4-FFF2-40B4-BE49-F238E27FC236}">
-                <a16:creationId xmlns:a16="http://schemas.microsoft.com/office/drawing/2014/main" id="{9EAE63E2-0046-DC05-0EFA-29EA76B4CC14}"/>
-              </a:ext>
-            </a:extLst>
-          </p:cNvPr>
-          <p:cNvSpPr txBox="1"/>
-          <p:nvPr/>
-        </p:nvSpPr>
-        <p:spPr>
-          <a:xfrm>
-            <a:off x="8007931" y="3306951"/>
-            <a:ext cx="3461332" cy="1200329"/>
-          </a:xfrm>
-          <a:prstGeom prst="rect">
-            <a:avLst/>
-          </a:prstGeom>
-          <a:noFill/>
-        </p:spPr>
-        <p:txBody>
-          <a:bodyPr wrap="square">
-            <a:spAutoFit/>
-          </a:bodyPr>
-          <a:lstStyle/>
-          <a:p>
-            <a:pPr marL="285750" indent="-285750">
-              <a:buFont typeface="Arial" panose="020B0604020202020204" pitchFamily="34" charset="0"/>
-              <a:buChar char="•"/>
-            </a:pPr>
-            <a:r>
-              <a:rPr lang="en-US" dirty="0">
-                <a:solidFill>
-                  <a:srgbClr val="FF0000"/>
-                </a:solidFill>
-              </a:rPr>
-              <a:t>each variable gets a column</a:t>
-            </a:r>
-          </a:p>
-          <a:p>
-            <a:pPr marL="285750" indent="-285750">
-              <a:buFont typeface="Arial" panose="020B0604020202020204" pitchFamily="34" charset="0"/>
-              <a:buChar char="•"/>
-            </a:pPr>
-            <a:r>
-              <a:rPr lang="en-US" dirty="0">
-                <a:solidFill>
-                  <a:srgbClr val="FF0000"/>
-                </a:solidFill>
-              </a:rPr>
-              <a:t>each observation gets a row</a:t>
-            </a:r>
-          </a:p>
-          <a:p>
-            <a:pPr marL="285750" indent="-285750">
-              <a:buFont typeface="Arial" panose="020B0604020202020204" pitchFamily="34" charset="0"/>
-              <a:buChar char="•"/>
-            </a:pPr>
-            <a:r>
-              <a:rPr lang="en-US" dirty="0">
-                <a:solidFill>
-                  <a:srgbClr val="FF0000"/>
-                </a:solidFill>
-              </a:rPr>
-              <a:t>each type of observational unit gets a table</a:t>
-            </a:r>
-          </a:p>
-        </p:txBody>
-      </p:sp>
     </p:spTree>
     <p:extLst>
       <p:ext uri="{BB962C8B-B14F-4D97-AF65-F5344CB8AC3E}">
-        <p14:creationId xmlns:p14="http://schemas.microsoft.com/office/powerpoint/2010/main" val="1280477112"/>
+        <p14:creationId xmlns:p14="http://schemas.microsoft.com/office/powerpoint/2010/main" val="503652629"/>
       </p:ext>
     </p:extLst>
   </p:cSld>
@@ -5417,17 +5553,77 @@
           <a:p>
             <a:r>
               <a:rPr lang="en-US" dirty="0"/>
-              <a:t>how should I keep my data?</a:t>
-            </a:r>
-          </a:p>
-        </p:txBody>
-      </p:sp>
-      <p:sp>
-        <p:nvSpPr>
-          <p:cNvPr id="18" name="TextBox 17">
-            <a:extLst>
-              <a:ext uri="{FF2B5EF4-FFF2-40B4-BE49-F238E27FC236}">
-                <a16:creationId xmlns:a16="http://schemas.microsoft.com/office/drawing/2014/main" id="{E0B566A1-E3E4-7AB3-3BEA-49CE3209BEA5}"/>
+              <a:t>Data tables: tidy</a:t>
+            </a:r>
+          </a:p>
+        </p:txBody>
+      </p:sp>
+      <p:pic>
+        <p:nvPicPr>
+          <p:cNvPr id="5" name="Picture 4" descr="Table&#10;&#10;Description automatically generated">
+            <a:extLst>
+              <a:ext uri="{FF2B5EF4-FFF2-40B4-BE49-F238E27FC236}">
+                <a16:creationId xmlns:a16="http://schemas.microsoft.com/office/drawing/2014/main" id="{40625273-F3A9-B335-E86D-4999B457D15E}"/>
+              </a:ext>
+            </a:extLst>
+          </p:cNvPr>
+          <p:cNvPicPr>
+            <a:picLocks noChangeAspect="1"/>
+          </p:cNvPicPr>
+          <p:nvPr/>
+        </p:nvPicPr>
+        <p:blipFill>
+          <a:blip r:embed="rId2"/>
+          <a:stretch>
+            <a:fillRect/>
+          </a:stretch>
+        </p:blipFill>
+        <p:spPr>
+          <a:xfrm>
+            <a:off x="5643282" y="1911255"/>
+            <a:ext cx="2260600" cy="4140200"/>
+          </a:xfrm>
+          <a:prstGeom prst="rect">
+            <a:avLst/>
+          </a:prstGeom>
+        </p:spPr>
+      </p:pic>
+      <p:pic>
+        <p:nvPicPr>
+          <p:cNvPr id="7" name="Picture 6" descr="Table&#10;&#10;Description automatically generated">
+            <a:extLst>
+              <a:ext uri="{FF2B5EF4-FFF2-40B4-BE49-F238E27FC236}">
+                <a16:creationId xmlns:a16="http://schemas.microsoft.com/office/drawing/2014/main" id="{28A29DD5-75EA-5D07-32FA-81C6D58F441E}"/>
+              </a:ext>
+            </a:extLst>
+          </p:cNvPr>
+          <p:cNvPicPr>
+            <a:picLocks noChangeAspect="1"/>
+          </p:cNvPicPr>
+          <p:nvPr/>
+        </p:nvPicPr>
+        <p:blipFill>
+          <a:blip r:embed="rId3"/>
+          <a:stretch>
+            <a:fillRect/>
+          </a:stretch>
+        </p:blipFill>
+        <p:spPr>
+          <a:xfrm>
+            <a:off x="461682" y="1936655"/>
+            <a:ext cx="5029200" cy="4114800"/>
+          </a:xfrm>
+          <a:prstGeom prst="rect">
+            <a:avLst/>
+          </a:prstGeom>
+        </p:spPr>
+      </p:pic>
+      <p:sp>
+        <p:nvSpPr>
+          <p:cNvPr id="8" name="TextBox 7">
+            <a:extLst>
+              <a:ext uri="{FF2B5EF4-FFF2-40B4-BE49-F238E27FC236}">
+                <a16:creationId xmlns:a16="http://schemas.microsoft.com/office/drawing/2014/main" id="{981456F7-73F5-3B92-6F77-5E366E30D2BB}"/>
               </a:ext>
             </a:extLst>
           </p:cNvPr>
@@ -5436,8 +5632,8 @@
         </p:nvSpPr>
         <p:spPr>
           <a:xfrm>
-            <a:off x="390844" y="6223337"/>
-            <a:ext cx="10846687" cy="646331"/>
+            <a:off x="309282" y="1717861"/>
+            <a:ext cx="2491580" cy="369332"/>
           </a:xfrm>
           <a:prstGeom prst="rect">
             <a:avLst/>
@@ -5451,24 +5647,18 @@
           <a:lstStyle/>
           <a:p>
             <a:r>
-              <a:rPr lang="en-US" dirty="0">
-                <a:hlinkClick r:id="rId2"/>
-              </a:rPr>
-              <a:t>from Spencer, J (2017) “The life changing magic of tidying up your data: The art and science of making data usable.</a:t>
-            </a:r>
-            <a:endParaRPr lang="en-US" dirty="0"/>
-          </a:p>
-          <a:p>
-            <a:endParaRPr lang="en-US" dirty="0"/>
-          </a:p>
-        </p:txBody>
-      </p:sp>
-      <p:sp>
-        <p:nvSpPr>
-          <p:cNvPr id="19" name="TextBox 18">
-            <a:extLst>
-              <a:ext uri="{FF2B5EF4-FFF2-40B4-BE49-F238E27FC236}">
-                <a16:creationId xmlns:a16="http://schemas.microsoft.com/office/drawing/2014/main" id="{D1523054-666B-3D1B-EAC3-F887F274ED2E}"/>
+              <a:rPr lang="en-US" b="1" dirty="0"/>
+              <a:t>observational unit: song</a:t>
+            </a:r>
+          </a:p>
+        </p:txBody>
+      </p:sp>
+      <p:sp>
+        <p:nvSpPr>
+          <p:cNvPr id="9" name="TextBox 8">
+            <a:extLst>
+              <a:ext uri="{FF2B5EF4-FFF2-40B4-BE49-F238E27FC236}">
+                <a16:creationId xmlns:a16="http://schemas.microsoft.com/office/drawing/2014/main" id="{3FF74CA1-D4E5-7751-8FC7-711187F993E3}"/>
               </a:ext>
             </a:extLst>
           </p:cNvPr>
@@ -5477,8 +5667,8 @@
         </p:nvSpPr>
         <p:spPr>
           <a:xfrm>
-            <a:off x="838200" y="1815353"/>
-            <a:ext cx="10174941" cy="4154984"/>
+            <a:off x="5348197" y="1690688"/>
+            <a:ext cx="3461332" cy="369332"/>
           </a:xfrm>
           <a:prstGeom prst="rect">
             <a:avLst/>
@@ -5486,7 +5676,77 @@
           <a:noFill/>
         </p:spPr>
         <p:txBody>
-          <a:bodyPr wrap="square" rtlCol="0">
+          <a:bodyPr wrap="none" rtlCol="0">
+            <a:spAutoFit/>
+          </a:bodyPr>
+          <a:lstStyle/>
+          <a:p>
+            <a:r>
+              <a:rPr lang="en-US" b="1" dirty="0"/>
+              <a:t>observational unit: rank (by week)</a:t>
+            </a:r>
+          </a:p>
+        </p:txBody>
+      </p:sp>
+      <p:sp>
+        <p:nvSpPr>
+          <p:cNvPr id="10" name="TextBox 9">
+            <a:extLst>
+              <a:ext uri="{FF2B5EF4-FFF2-40B4-BE49-F238E27FC236}">
+                <a16:creationId xmlns:a16="http://schemas.microsoft.com/office/drawing/2014/main" id="{3DF189EA-01BE-5F8F-FEBE-54B6EF1B4D20}"/>
+              </a:ext>
+            </a:extLst>
+          </p:cNvPr>
+          <p:cNvSpPr txBox="1"/>
+          <p:nvPr/>
+        </p:nvSpPr>
+        <p:spPr>
+          <a:xfrm>
+            <a:off x="4611221" y="6123543"/>
+            <a:ext cx="5031442" cy="369332"/>
+          </a:xfrm>
+          <a:prstGeom prst="rect">
+            <a:avLst/>
+          </a:prstGeom>
+          <a:noFill/>
+        </p:spPr>
+        <p:txBody>
+          <a:bodyPr wrap="none" rtlCol="0">
+            <a:spAutoFit/>
+          </a:bodyPr>
+          <a:lstStyle/>
+          <a:p>
+            <a:r>
+              <a:rPr lang="en-US" i="1" dirty="0"/>
+              <a:t>Wickham, H. (2014) Tidy data. J Statistical Software.</a:t>
+            </a:r>
+          </a:p>
+        </p:txBody>
+      </p:sp>
+      <p:sp>
+        <p:nvSpPr>
+          <p:cNvPr id="12" name="TextBox 11">
+            <a:extLst>
+              <a:ext uri="{FF2B5EF4-FFF2-40B4-BE49-F238E27FC236}">
+                <a16:creationId xmlns:a16="http://schemas.microsoft.com/office/drawing/2014/main" id="{9EAE63E2-0046-DC05-0EFA-29EA76B4CC14}"/>
+              </a:ext>
+            </a:extLst>
+          </p:cNvPr>
+          <p:cNvSpPr txBox="1"/>
+          <p:nvPr/>
+        </p:nvSpPr>
+        <p:spPr>
+          <a:xfrm>
+            <a:off x="8007931" y="3306951"/>
+            <a:ext cx="3461332" cy="1200329"/>
+          </a:xfrm>
+          <a:prstGeom prst="rect">
+            <a:avLst/>
+          </a:prstGeom>
+          <a:noFill/>
+        </p:spPr>
+        <p:txBody>
+          <a:bodyPr wrap="square">
             <a:spAutoFit/>
           </a:bodyPr>
           <a:lstStyle/>
@@ -5496,8 +5756,12 @@
               <a:buChar char="•"/>
             </a:pPr>
             <a:r>
-              <a:rPr lang="en-US" sz="2400" dirty="0"/>
-              <a:t>Depends on your goals and your process (e.g. some functions require data in wide vs long format)</a:t>
+              <a:rPr lang="en-US" dirty="0">
+                <a:solidFill>
+                  <a:srgbClr val="FF0000"/>
+                </a:solidFill>
+              </a:rPr>
+              <a:t>each variable gets a column</a:t>
             </a:r>
           </a:p>
           <a:p>
@@ -5506,8 +5770,12 @@
               <a:buChar char="•"/>
             </a:pPr>
             <a:r>
-              <a:rPr lang="en-US" sz="2400" dirty="0"/>
-              <a:t>For widely shared data: Tidy data is most easily machine-readable</a:t>
+              <a:rPr lang="en-US" dirty="0">
+                <a:solidFill>
+                  <a:srgbClr val="FF0000"/>
+                </a:solidFill>
+              </a:rPr>
+              <a:t>each observation gets a row</a:t>
             </a:r>
           </a:p>
           <a:p>
@@ -5516,70 +5784,20 @@
               <a:buChar char="•"/>
             </a:pPr>
             <a:r>
-              <a:rPr lang="en-US" sz="2400" dirty="0"/>
-              <a:t>Avoid storing messy data:</a:t>
-            </a:r>
-          </a:p>
-          <a:p>
-            <a:pPr marL="742950" lvl="1" indent="-285750">
-              <a:buFont typeface="Arial" panose="020B0604020202020204" pitchFamily="34" charset="0"/>
-              <a:buChar char="•"/>
-            </a:pPr>
-            <a:r>
-              <a:rPr lang="en-US" sz="2400" dirty="0"/>
-              <a:t>DON’T: have column names represent variable values</a:t>
-            </a:r>
-          </a:p>
-          <a:p>
-            <a:pPr marL="742950" lvl="1" indent="-285750">
-              <a:buFont typeface="Arial" panose="020B0604020202020204" pitchFamily="34" charset="0"/>
-              <a:buChar char="•"/>
-            </a:pPr>
-            <a:r>
-              <a:rPr lang="en-US" sz="2400" dirty="0"/>
-              <a:t>DON’T: let single columns contain values for multiple variables</a:t>
-            </a:r>
-          </a:p>
-          <a:p>
-            <a:pPr marL="742950" lvl="1" indent="-285750">
-              <a:buFont typeface="Arial" panose="020B0604020202020204" pitchFamily="34" charset="0"/>
-              <a:buChar char="•"/>
-            </a:pPr>
-            <a:r>
-              <a:rPr lang="en-US" sz="2400" dirty="0"/>
-              <a:t>DON’T: have variables in both rows and columns</a:t>
-            </a:r>
-          </a:p>
-          <a:p>
-            <a:pPr marL="742950" lvl="1" indent="-285750">
-              <a:buFont typeface="Arial" panose="020B0604020202020204" pitchFamily="34" charset="0"/>
-              <a:buChar char="•"/>
-            </a:pPr>
-            <a:r>
-              <a:rPr lang="en-US" sz="2400" dirty="0"/>
-              <a:t>DON’T: have data for one observational unit spread across multiple data sets/files</a:t>
-            </a:r>
-          </a:p>
-          <a:p>
-            <a:pPr marL="285750" indent="-285750">
-              <a:buFont typeface="Arial" panose="020B0604020202020204" pitchFamily="34" charset="0"/>
-              <a:buChar char="•"/>
-            </a:pPr>
-            <a:endParaRPr lang="en-US" sz="2400" dirty="0"/>
-          </a:p>
-          <a:p>
-            <a:pPr marL="285750" indent="-285750">
-              <a:buFont typeface="Arial" panose="020B0604020202020204" pitchFamily="34" charset="0"/>
-              <a:buChar char="•"/>
-            </a:pPr>
-            <a:endParaRPr lang="en-US" sz="2400" dirty="0"/>
+              <a:rPr lang="en-US" dirty="0">
+                <a:solidFill>
+                  <a:srgbClr val="FF0000"/>
+                </a:solidFill>
+              </a:rPr>
+              <a:t>each type of observational unit gets a table</a:t>
+            </a:r>
           </a:p>
         </p:txBody>
       </p:sp>
     </p:spTree>
     <p:extLst>
       <p:ext uri="{BB962C8B-B14F-4D97-AF65-F5344CB8AC3E}">
-        <p14:creationId xmlns:p14="http://schemas.microsoft.com/office/powerpoint/2010/main" val="2354653012"/>
+        <p14:creationId xmlns:p14="http://schemas.microsoft.com/office/powerpoint/2010/main" val="1280477112"/>
       </p:ext>
     </p:extLst>
   </p:cSld>
@@ -5634,136 +5852,6 @@
           </a:p>
         </p:txBody>
       </p:sp>
-      <p:pic>
-        <p:nvPicPr>
-          <p:cNvPr id="6" name="Picture 5" descr="Table&#10;&#10;Description automatically generated">
-            <a:extLst>
-              <a:ext uri="{FF2B5EF4-FFF2-40B4-BE49-F238E27FC236}">
-                <a16:creationId xmlns:a16="http://schemas.microsoft.com/office/drawing/2014/main" id="{75E01793-EE8D-5D02-E2F1-193001423C35}"/>
-              </a:ext>
-            </a:extLst>
-          </p:cNvPr>
-          <p:cNvPicPr>
-            <a:picLocks noChangeAspect="1"/>
-          </p:cNvPicPr>
-          <p:nvPr/>
-        </p:nvPicPr>
-        <p:blipFill>
-          <a:blip r:embed="rId2"/>
-          <a:stretch>
-            <a:fillRect/>
-          </a:stretch>
-        </p:blipFill>
-        <p:spPr>
-          <a:xfrm>
-            <a:off x="7126942" y="2266950"/>
-            <a:ext cx="4114800" cy="2324100"/>
-          </a:xfrm>
-          <a:prstGeom prst="rect">
-            <a:avLst/>
-          </a:prstGeom>
-        </p:spPr>
-      </p:pic>
-      <p:pic>
-        <p:nvPicPr>
-          <p:cNvPr id="13" name="Picture 12" descr="Diagram&#10;&#10;Description automatically generated with medium confidence">
-            <a:extLst>
-              <a:ext uri="{FF2B5EF4-FFF2-40B4-BE49-F238E27FC236}">
-                <a16:creationId xmlns:a16="http://schemas.microsoft.com/office/drawing/2014/main" id="{440BC58C-0D95-6FB2-02DA-52AB47712FC8}"/>
-              </a:ext>
-            </a:extLst>
-          </p:cNvPr>
-          <p:cNvPicPr>
-            <a:picLocks noChangeAspect="1"/>
-          </p:cNvPicPr>
-          <p:nvPr/>
-        </p:nvPicPr>
-        <p:blipFill>
-          <a:blip r:embed="rId3"/>
-          <a:stretch>
-            <a:fillRect/>
-          </a:stretch>
-        </p:blipFill>
-        <p:spPr>
-          <a:xfrm>
-            <a:off x="666003" y="2266950"/>
-            <a:ext cx="5651500" cy="3619500"/>
-          </a:xfrm>
-          <a:prstGeom prst="rect">
-            <a:avLst/>
-          </a:prstGeom>
-        </p:spPr>
-      </p:pic>
-      <p:sp>
-        <p:nvSpPr>
-          <p:cNvPr id="16" name="TextBox 15">
-            <a:extLst>
-              <a:ext uri="{FF2B5EF4-FFF2-40B4-BE49-F238E27FC236}">
-                <a16:creationId xmlns:a16="http://schemas.microsoft.com/office/drawing/2014/main" id="{D5A17822-B366-B5A0-FC8E-FADEF93BA1A4}"/>
-              </a:ext>
-            </a:extLst>
-          </p:cNvPr>
-          <p:cNvSpPr txBox="1"/>
-          <p:nvPr/>
-        </p:nvSpPr>
-        <p:spPr>
-          <a:xfrm>
-            <a:off x="950258" y="1801906"/>
-            <a:ext cx="865686" cy="369332"/>
-          </a:xfrm>
-          <a:prstGeom prst="rect">
-            <a:avLst/>
-          </a:prstGeom>
-          <a:noFill/>
-        </p:spPr>
-        <p:txBody>
-          <a:bodyPr wrap="none" rtlCol="0">
-            <a:spAutoFit/>
-          </a:bodyPr>
-          <a:lstStyle/>
-          <a:p>
-            <a:r>
-              <a:rPr lang="en-US" b="1" dirty="0"/>
-              <a:t>Messy!</a:t>
-            </a:r>
-          </a:p>
-        </p:txBody>
-      </p:sp>
-      <p:sp>
-        <p:nvSpPr>
-          <p:cNvPr id="17" name="TextBox 16">
-            <a:extLst>
-              <a:ext uri="{FF2B5EF4-FFF2-40B4-BE49-F238E27FC236}">
-                <a16:creationId xmlns:a16="http://schemas.microsoft.com/office/drawing/2014/main" id="{11FD4041-652B-D2C9-68DA-366625BF3AD7}"/>
-              </a:ext>
-            </a:extLst>
-          </p:cNvPr>
-          <p:cNvSpPr txBox="1"/>
-          <p:nvPr/>
-        </p:nvSpPr>
-        <p:spPr>
-          <a:xfrm>
-            <a:off x="7126942" y="1779072"/>
-            <a:ext cx="662361" cy="369332"/>
-          </a:xfrm>
-          <a:prstGeom prst="rect">
-            <a:avLst/>
-          </a:prstGeom>
-          <a:noFill/>
-        </p:spPr>
-        <p:txBody>
-          <a:bodyPr wrap="none" rtlCol="0">
-            <a:spAutoFit/>
-          </a:bodyPr>
-          <a:lstStyle/>
-          <a:p>
-            <a:r>
-              <a:rPr lang="en-US" b="1" dirty="0"/>
-              <a:t>Tidy!</a:t>
-            </a:r>
-          </a:p>
-        </p:txBody>
-      </p:sp>
       <p:sp>
         <p:nvSpPr>
           <p:cNvPr id="18" name="TextBox 17">
@@ -5794,7 +5882,7 @@
           <a:p>
             <a:r>
               <a:rPr lang="en-US" dirty="0">
-                <a:hlinkClick r:id="rId4"/>
+                <a:hlinkClick r:id="rId2"/>
               </a:rPr>
               <a:t>from Spencer, J (2017) “The life changing magic of tidying up your data: The art and science of making data usable.</a:t>
             </a:r>
@@ -5802,13 +5890,126 @@
           </a:p>
           <a:p>
             <a:endParaRPr lang="en-US" dirty="0"/>
+          </a:p>
+        </p:txBody>
+      </p:sp>
+      <p:sp>
+        <p:nvSpPr>
+          <p:cNvPr id="19" name="TextBox 18">
+            <a:extLst>
+              <a:ext uri="{FF2B5EF4-FFF2-40B4-BE49-F238E27FC236}">
+                <a16:creationId xmlns:a16="http://schemas.microsoft.com/office/drawing/2014/main" id="{D1523054-666B-3D1B-EAC3-F887F274ED2E}"/>
+              </a:ext>
+            </a:extLst>
+          </p:cNvPr>
+          <p:cNvSpPr txBox="1"/>
+          <p:nvPr/>
+        </p:nvSpPr>
+        <p:spPr>
+          <a:xfrm>
+            <a:off x="838200" y="1815353"/>
+            <a:ext cx="10174941" cy="4154984"/>
+          </a:xfrm>
+          <a:prstGeom prst="rect">
+            <a:avLst/>
+          </a:prstGeom>
+          <a:noFill/>
+        </p:spPr>
+        <p:txBody>
+          <a:bodyPr wrap="square" rtlCol="0">
+            <a:spAutoFit/>
+          </a:bodyPr>
+          <a:lstStyle/>
+          <a:p>
+            <a:pPr marL="285750" indent="-285750">
+              <a:buFont typeface="Arial" panose="020B0604020202020204" pitchFamily="34" charset="0"/>
+              <a:buChar char="•"/>
+            </a:pPr>
+            <a:r>
+              <a:rPr lang="en-US" sz="2400" dirty="0"/>
+              <a:t>Depends on your goals and your process (e.g. some functions require data in wide vs long format)</a:t>
+            </a:r>
+          </a:p>
+          <a:p>
+            <a:pPr marL="285750" indent="-285750">
+              <a:buFont typeface="Arial" panose="020B0604020202020204" pitchFamily="34" charset="0"/>
+              <a:buChar char="•"/>
+            </a:pPr>
+            <a:r>
+              <a:rPr lang="en-US" sz="2400" dirty="0"/>
+              <a:t>For widely shared data: Tidy data is most easily machine-readable</a:t>
+            </a:r>
+          </a:p>
+          <a:p>
+            <a:pPr marL="285750" indent="-285750">
+              <a:buFont typeface="Arial" panose="020B0604020202020204" pitchFamily="34" charset="0"/>
+              <a:buChar char="•"/>
+            </a:pPr>
+            <a:r>
+              <a:rPr lang="en-US" sz="2400" dirty="0"/>
+              <a:t>Avoid storing messy data:</a:t>
+            </a:r>
+          </a:p>
+          <a:p>
+            <a:pPr marL="742950" lvl="1" indent="-285750">
+              <a:buFont typeface="Arial" panose="020B0604020202020204" pitchFamily="34" charset="0"/>
+              <a:buChar char="•"/>
+            </a:pPr>
+            <a:r>
+              <a:rPr lang="en-US" sz="2400" dirty="0"/>
+              <a:t>DON’T: have column names represent variable values</a:t>
+            </a:r>
+          </a:p>
+          <a:p>
+            <a:pPr marL="742950" lvl="1" indent="-285750">
+              <a:buFont typeface="Arial" panose="020B0604020202020204" pitchFamily="34" charset="0"/>
+              <a:buChar char="•"/>
+            </a:pPr>
+            <a:r>
+              <a:rPr lang="en-US" sz="2400" dirty="0"/>
+              <a:t>DON’T: let single columns contain values for multiple variables</a:t>
+            </a:r>
+          </a:p>
+          <a:p>
+            <a:pPr marL="742950" lvl="1" indent="-285750">
+              <a:buFont typeface="Arial" panose="020B0604020202020204" pitchFamily="34" charset="0"/>
+              <a:buChar char="•"/>
+            </a:pPr>
+            <a:r>
+              <a:rPr lang="en-US" sz="2400" dirty="0"/>
+              <a:t>DON’T: have variables in both rows and columns</a:t>
+            </a:r>
+          </a:p>
+          <a:p>
+            <a:pPr marL="742950" lvl="1" indent="-285750">
+              <a:buFont typeface="Arial" panose="020B0604020202020204" pitchFamily="34" charset="0"/>
+              <a:buChar char="•"/>
+            </a:pPr>
+            <a:r>
+              <a:rPr lang="en-US" sz="2400" dirty="0"/>
+              <a:t>DON’T: have data for one observational unit spread across multiple data sets/files</a:t>
+            </a:r>
+          </a:p>
+          <a:p>
+            <a:pPr marL="285750" indent="-285750">
+              <a:buFont typeface="Arial" panose="020B0604020202020204" pitchFamily="34" charset="0"/>
+              <a:buChar char="•"/>
+            </a:pPr>
+            <a:endParaRPr lang="en-US" sz="2400" dirty="0"/>
+          </a:p>
+          <a:p>
+            <a:pPr marL="285750" indent="-285750">
+              <a:buFont typeface="Arial" panose="020B0604020202020204" pitchFamily="34" charset="0"/>
+              <a:buChar char="•"/>
+            </a:pPr>
+            <a:endParaRPr lang="en-US" sz="2400" dirty="0"/>
           </a:p>
         </p:txBody>
       </p:sp>
     </p:spTree>
     <p:extLst>
       <p:ext uri="{BB962C8B-B14F-4D97-AF65-F5344CB8AC3E}">
-        <p14:creationId xmlns:p14="http://schemas.microsoft.com/office/powerpoint/2010/main" val="2604004264"/>
+        <p14:creationId xmlns:p14="http://schemas.microsoft.com/office/powerpoint/2010/main" val="2354653012"/>
       </p:ext>
     </p:extLst>
   </p:cSld>
@@ -5837,10 +6038,98 @@
       </p:grpSpPr>
       <p:sp>
         <p:nvSpPr>
-          <p:cNvPr id="4" name="TextBox 3">
-            <a:extLst>
-              <a:ext uri="{FF2B5EF4-FFF2-40B4-BE49-F238E27FC236}">
-                <a16:creationId xmlns:a16="http://schemas.microsoft.com/office/drawing/2014/main" id="{65024024-608B-B945-A315-4189BA373550}"/>
+          <p:cNvPr id="2" name="Title 1">
+            <a:extLst>
+              <a:ext uri="{FF2B5EF4-FFF2-40B4-BE49-F238E27FC236}">
+                <a16:creationId xmlns:a16="http://schemas.microsoft.com/office/drawing/2014/main" id="{85B89813-ECCB-4EAF-B73A-4F12457F40E1}"/>
+              </a:ext>
+            </a:extLst>
+          </p:cNvPr>
+          <p:cNvSpPr>
+            <a:spLocks noGrp="1"/>
+          </p:cNvSpPr>
+          <p:nvPr>
+            <p:ph type="title"/>
+          </p:nvPr>
+        </p:nvSpPr>
+        <p:spPr/>
+        <p:txBody>
+          <a:bodyPr/>
+          <a:lstStyle/>
+          <a:p>
+            <a:r>
+              <a:rPr lang="en-US" dirty="0"/>
+              <a:t>how should I keep my data?</a:t>
+            </a:r>
+          </a:p>
+        </p:txBody>
+      </p:sp>
+      <p:pic>
+        <p:nvPicPr>
+          <p:cNvPr id="6" name="Picture 5" descr="Table&#10;&#10;Description automatically generated">
+            <a:extLst>
+              <a:ext uri="{FF2B5EF4-FFF2-40B4-BE49-F238E27FC236}">
+                <a16:creationId xmlns:a16="http://schemas.microsoft.com/office/drawing/2014/main" id="{75E01793-EE8D-5D02-E2F1-193001423C35}"/>
+              </a:ext>
+            </a:extLst>
+          </p:cNvPr>
+          <p:cNvPicPr>
+            <a:picLocks noChangeAspect="1"/>
+          </p:cNvPicPr>
+          <p:nvPr/>
+        </p:nvPicPr>
+        <p:blipFill>
+          <a:blip r:embed="rId2"/>
+          <a:stretch>
+            <a:fillRect/>
+          </a:stretch>
+        </p:blipFill>
+        <p:spPr>
+          <a:xfrm>
+            <a:off x="7126942" y="2266950"/>
+            <a:ext cx="4114800" cy="2324100"/>
+          </a:xfrm>
+          <a:prstGeom prst="rect">
+            <a:avLst/>
+          </a:prstGeom>
+        </p:spPr>
+      </p:pic>
+      <p:pic>
+        <p:nvPicPr>
+          <p:cNvPr id="13" name="Picture 12" descr="Diagram&#10;&#10;Description automatically generated with medium confidence">
+            <a:extLst>
+              <a:ext uri="{FF2B5EF4-FFF2-40B4-BE49-F238E27FC236}">
+                <a16:creationId xmlns:a16="http://schemas.microsoft.com/office/drawing/2014/main" id="{440BC58C-0D95-6FB2-02DA-52AB47712FC8}"/>
+              </a:ext>
+            </a:extLst>
+          </p:cNvPr>
+          <p:cNvPicPr>
+            <a:picLocks noChangeAspect="1"/>
+          </p:cNvPicPr>
+          <p:nvPr/>
+        </p:nvPicPr>
+        <p:blipFill>
+          <a:blip r:embed="rId3"/>
+          <a:stretch>
+            <a:fillRect/>
+          </a:stretch>
+        </p:blipFill>
+        <p:spPr>
+          <a:xfrm>
+            <a:off x="666003" y="2266950"/>
+            <a:ext cx="5651500" cy="3619500"/>
+          </a:xfrm>
+          <a:prstGeom prst="rect">
+            <a:avLst/>
+          </a:prstGeom>
+        </p:spPr>
+      </p:pic>
+      <p:sp>
+        <p:nvSpPr>
+          <p:cNvPr id="16" name="TextBox 15">
+            <a:extLst>
+              <a:ext uri="{FF2B5EF4-FFF2-40B4-BE49-F238E27FC236}">
+                <a16:creationId xmlns:a16="http://schemas.microsoft.com/office/drawing/2014/main" id="{D5A17822-B366-B5A0-FC8E-FADEF93BA1A4}"/>
               </a:ext>
             </a:extLst>
           </p:cNvPr>
@@ -5849,8 +6138,8 @@
         </p:nvSpPr>
         <p:spPr>
           <a:xfrm>
-            <a:off x="115909" y="1339403"/>
-            <a:ext cx="11626901" cy="4801314"/>
+            <a:off x="950258" y="1801906"/>
+            <a:ext cx="865686" cy="369332"/>
           </a:xfrm>
           <a:prstGeom prst="rect">
             <a:avLst/>
@@ -5864,263 +6153,92 @@
           <a:lstStyle/>
           <a:p>
             <a:r>
+              <a:rPr lang="en-US" b="1" dirty="0"/>
+              <a:t>Messy!</a:t>
+            </a:r>
+          </a:p>
+        </p:txBody>
+      </p:sp>
+      <p:sp>
+        <p:nvSpPr>
+          <p:cNvPr id="17" name="TextBox 16">
+            <a:extLst>
+              <a:ext uri="{FF2B5EF4-FFF2-40B4-BE49-F238E27FC236}">
+                <a16:creationId xmlns:a16="http://schemas.microsoft.com/office/drawing/2014/main" id="{11FD4041-652B-D2C9-68DA-366625BF3AD7}"/>
+              </a:ext>
+            </a:extLst>
+          </p:cNvPr>
+          <p:cNvSpPr txBox="1"/>
+          <p:nvPr/>
+        </p:nvSpPr>
+        <p:spPr>
+          <a:xfrm>
+            <a:off x="7126942" y="1779072"/>
+            <a:ext cx="662361" cy="369332"/>
+          </a:xfrm>
+          <a:prstGeom prst="rect">
+            <a:avLst/>
+          </a:prstGeom>
+          <a:noFill/>
+        </p:spPr>
+        <p:txBody>
+          <a:bodyPr wrap="none" rtlCol="0">
+            <a:spAutoFit/>
+          </a:bodyPr>
+          <a:lstStyle/>
+          <a:p>
+            <a:r>
+              <a:rPr lang="en-US" b="1" dirty="0"/>
+              <a:t>Tidy!</a:t>
+            </a:r>
+          </a:p>
+        </p:txBody>
+      </p:sp>
+      <p:sp>
+        <p:nvSpPr>
+          <p:cNvPr id="18" name="TextBox 17">
+            <a:extLst>
+              <a:ext uri="{FF2B5EF4-FFF2-40B4-BE49-F238E27FC236}">
+                <a16:creationId xmlns:a16="http://schemas.microsoft.com/office/drawing/2014/main" id="{E0B566A1-E3E4-7AB3-3BEA-49CE3209BEA5}"/>
+              </a:ext>
+            </a:extLst>
+          </p:cNvPr>
+          <p:cNvSpPr txBox="1"/>
+          <p:nvPr/>
+        </p:nvSpPr>
+        <p:spPr>
+          <a:xfrm>
+            <a:off x="390844" y="6223337"/>
+            <a:ext cx="10846687" cy="646331"/>
+          </a:xfrm>
+          <a:prstGeom prst="rect">
+            <a:avLst/>
+          </a:prstGeom>
+          <a:noFill/>
+        </p:spPr>
+        <p:txBody>
+          <a:bodyPr wrap="none" rtlCol="0">
+            <a:spAutoFit/>
+          </a:bodyPr>
+          <a:lstStyle/>
+          <a:p>
+            <a:r>
               <a:rPr lang="en-US" dirty="0">
-                <a:latin typeface="Andale Mono" panose="020B0509000000000004" pitchFamily="49" charset="0"/>
-              </a:rPr>
-              <a:t>class-activities/</a:t>
-            </a:r>
-          </a:p>
-          <a:p>
-            <a:r>
-              <a:rPr lang="en-US" dirty="0">
-                <a:latin typeface="Andale Mono" panose="020B0509000000000004" pitchFamily="49" charset="0"/>
-              </a:rPr>
-              <a:t>    ├── week1-setup-import</a:t>
-            </a:r>
-          </a:p>
-          <a:p>
-            <a:r>
-              <a:rPr lang="en-US" dirty="0">
-                <a:latin typeface="Andale Mono" panose="020B0509000000000004" pitchFamily="49" charset="0"/>
-              </a:rPr>
-              <a:t>    │   ├── week1-setup-import.Rproj	# RStudio project file</a:t>
-            </a:r>
-          </a:p>
-          <a:p>
-            <a:r>
-              <a:rPr lang="en-US" dirty="0">
-                <a:latin typeface="Andale Mono" panose="020B0509000000000004" pitchFamily="49" charset="0"/>
-              </a:rPr>
-              <a:t>    │   ├── data	# save raw datasets here</a:t>
-            </a:r>
-          </a:p>
-          <a:p>
-            <a:r>
-              <a:rPr lang="en-US" dirty="0">
-                <a:latin typeface="Andale Mono" panose="020B0509000000000004" pitchFamily="49" charset="0"/>
-              </a:rPr>
-              <a:t>    │   │   └── </a:t>
-            </a:r>
-            <a:r>
-              <a:rPr lang="en-US" dirty="0" err="1">
-                <a:latin typeface="Andale Mono" panose="020B0509000000000004" pitchFamily="49" charset="0"/>
-              </a:rPr>
-              <a:t>dataset.csv</a:t>
-            </a:r>
-            <a:r>
-              <a:rPr lang="en-US" dirty="0">
-                <a:latin typeface="Andale Mono" panose="020B0509000000000004" pitchFamily="49" charset="0"/>
-              </a:rPr>
-              <a:t>	</a:t>
-            </a:r>
-          </a:p>
-          <a:p>
-            <a:r>
-              <a:rPr lang="en-US" dirty="0">
-                <a:latin typeface="Andale Mono" panose="020B0509000000000004" pitchFamily="49" charset="0"/>
-              </a:rPr>
-              <a:t>    │   ├── </a:t>
-            </a:r>
-            <a:r>
-              <a:rPr lang="en-US" dirty="0" err="1">
-                <a:latin typeface="Andale Mono" panose="020B0509000000000004" pitchFamily="49" charset="0"/>
-              </a:rPr>
-              <a:t>r_docs</a:t>
-            </a:r>
-            <a:r>
-              <a:rPr lang="en-US" dirty="0">
-                <a:latin typeface="Andale Mono" panose="020B0509000000000004" pitchFamily="49" charset="0"/>
-              </a:rPr>
-              <a:t>	# save R analysis work here </a:t>
-            </a:r>
-          </a:p>
-          <a:p>
-            <a:r>
-              <a:rPr lang="en-US" dirty="0">
-                <a:latin typeface="Andale Mono" panose="020B0509000000000004" pitchFamily="49" charset="0"/>
-              </a:rPr>
-              <a:t>    │   │   ├── week1-setup-import.Rmd	# analysis code, charts, &amp; notes</a:t>
-            </a:r>
-          </a:p>
-          <a:p>
-            <a:r>
-              <a:rPr lang="en-US" dirty="0">
-                <a:latin typeface="Andale Mono" panose="020B0509000000000004" pitchFamily="49" charset="0"/>
-              </a:rPr>
-              <a:t>    │   │   └── week1-setup-import.html # knit version of *.</a:t>
-            </a:r>
-            <a:r>
-              <a:rPr lang="en-US" dirty="0" err="1">
-                <a:latin typeface="Andale Mono" panose="020B0509000000000004" pitchFamily="49" charset="0"/>
-              </a:rPr>
-              <a:t>Rmd</a:t>
-            </a:r>
-            <a:r>
-              <a:rPr lang="en-US" dirty="0">
-                <a:latin typeface="Andale Mono" panose="020B0509000000000004" pitchFamily="49" charset="0"/>
-              </a:rPr>
-              <a:t> file</a:t>
-            </a:r>
-          </a:p>
-          <a:p>
-            <a:r>
-              <a:rPr lang="en-US" dirty="0">
-                <a:latin typeface="Andale Mono" panose="020B0509000000000004" pitchFamily="49" charset="0"/>
-              </a:rPr>
-              <a:t>    │   ├── </a:t>
-            </a:r>
-            <a:r>
-              <a:rPr lang="en-US" dirty="0" err="1">
-                <a:latin typeface="Andale Mono" panose="020B0509000000000004" pitchFamily="49" charset="0"/>
-              </a:rPr>
-              <a:t>spss</a:t>
-            </a:r>
-            <a:r>
-              <a:rPr lang="en-US" dirty="0">
-                <a:latin typeface="Andale Mono" panose="020B0509000000000004" pitchFamily="49" charset="0"/>
-              </a:rPr>
-              <a:t>	# save all </a:t>
-            </a:r>
-            <a:r>
-              <a:rPr lang="en-US" dirty="0" err="1">
-                <a:latin typeface="Andale Mono" panose="020B0509000000000004" pitchFamily="49" charset="0"/>
-              </a:rPr>
-              <a:t>spss</a:t>
-            </a:r>
-            <a:r>
-              <a:rPr lang="en-US" dirty="0">
-                <a:latin typeface="Andale Mono" panose="020B0509000000000004" pitchFamily="49" charset="0"/>
-              </a:rPr>
-              <a:t> files here</a:t>
-            </a:r>
-          </a:p>
-          <a:p>
-            <a:r>
-              <a:rPr lang="en-US" dirty="0">
-                <a:latin typeface="Andale Mono" panose="020B0509000000000004" pitchFamily="49" charset="0"/>
-              </a:rPr>
-              <a:t>    │   │   ├── week1-setup-import.sav 		# </a:t>
-            </a:r>
-            <a:r>
-              <a:rPr lang="en-US" dirty="0" err="1">
-                <a:latin typeface="Andale Mono" panose="020B0509000000000004" pitchFamily="49" charset="0"/>
-              </a:rPr>
-              <a:t>spss</a:t>
-            </a:r>
-            <a:r>
-              <a:rPr lang="en-US" dirty="0">
-                <a:latin typeface="Andale Mono" panose="020B0509000000000004" pitchFamily="49" charset="0"/>
-              </a:rPr>
-              <a:t> datafile</a:t>
-            </a:r>
-          </a:p>
-          <a:p>
-            <a:r>
-              <a:rPr lang="en-US" dirty="0">
-                <a:latin typeface="Andale Mono" panose="020B0509000000000004" pitchFamily="49" charset="0"/>
-              </a:rPr>
-              <a:t>    │   │   ├── week1-setup-import-syntax.sps	# </a:t>
-            </a:r>
-            <a:r>
-              <a:rPr lang="en-US" dirty="0" err="1">
-                <a:latin typeface="Andale Mono" panose="020B0509000000000004" pitchFamily="49" charset="0"/>
-              </a:rPr>
-              <a:t>spss</a:t>
-            </a:r>
-            <a:r>
-              <a:rPr lang="en-US" dirty="0">
-                <a:latin typeface="Andale Mono" panose="020B0509000000000004" pitchFamily="49" charset="0"/>
-              </a:rPr>
-              <a:t> syntax (analysis code)</a:t>
-            </a:r>
-          </a:p>
-          <a:p>
-            <a:r>
-              <a:rPr lang="en-US" dirty="0">
-                <a:latin typeface="Andale Mono" panose="020B0509000000000004" pitchFamily="49" charset="0"/>
-              </a:rPr>
-              <a:t>    │   │   ├── week1-setup-import-output.spv	# </a:t>
-            </a:r>
-            <a:r>
-              <a:rPr lang="en-US" dirty="0" err="1">
-                <a:latin typeface="Andale Mono" panose="020B0509000000000004" pitchFamily="49" charset="0"/>
-              </a:rPr>
-              <a:t>spss</a:t>
-            </a:r>
-            <a:r>
-              <a:rPr lang="en-US" dirty="0">
-                <a:latin typeface="Andale Mono" panose="020B0509000000000004" pitchFamily="49" charset="0"/>
-              </a:rPr>
-              <a:t> output file (code &amp; charts)</a:t>
-            </a:r>
-          </a:p>
-          <a:p>
-            <a:r>
-              <a:rPr lang="en-US" dirty="0">
-                <a:latin typeface="Andale Mono" panose="020B0509000000000004" pitchFamily="49" charset="0"/>
-              </a:rPr>
-              <a:t>    │   │   └── week1-setup-import-notes.{txt/doc/</a:t>
-            </a:r>
-            <a:r>
-              <a:rPr lang="en-US" dirty="0" err="1">
-                <a:latin typeface="Andale Mono" panose="020B0509000000000004" pitchFamily="49" charset="0"/>
-              </a:rPr>
-              <a:t>etc</a:t>
-            </a:r>
-            <a:r>
-              <a:rPr lang="en-US" dirty="0">
-                <a:latin typeface="Andale Mono" panose="020B0509000000000004" pitchFamily="49" charset="0"/>
-              </a:rPr>
-              <a:t>}  # notes in your </a:t>
-            </a:r>
-            <a:r>
-              <a:rPr lang="en-US" dirty="0" err="1">
-                <a:latin typeface="Andale Mono" panose="020B0509000000000004" pitchFamily="49" charset="0"/>
-              </a:rPr>
-              <a:t>fave</a:t>
-            </a:r>
-            <a:r>
-              <a:rPr lang="en-US" dirty="0">
-                <a:latin typeface="Andale Mono" panose="020B0509000000000004" pitchFamily="49" charset="0"/>
-              </a:rPr>
-              <a:t> format</a:t>
-            </a:r>
-          </a:p>
-          <a:p>
-            <a:r>
-              <a:rPr lang="en-US" dirty="0">
-                <a:latin typeface="Andale Mono" panose="020B0509000000000004" pitchFamily="49" charset="0"/>
-              </a:rPr>
-              <a:t>    │   └── images	#if needed, save chart images here</a:t>
-            </a:r>
-          </a:p>
-          <a:p>
-            <a:r>
-              <a:rPr lang="en-US" dirty="0">
-                <a:latin typeface="Andale Mono" panose="020B0509000000000004" pitchFamily="49" charset="0"/>
-              </a:rPr>
-              <a:t>    │       ├── fig1.png	</a:t>
-            </a:r>
-          </a:p>
-          <a:p>
-            <a:r>
-              <a:rPr lang="en-US" dirty="0">
-                <a:latin typeface="Andale Mono" panose="020B0509000000000004" pitchFamily="49" charset="0"/>
-              </a:rPr>
-              <a:t>    │       └── fig1.svg</a:t>
-            </a:r>
-          </a:p>
-          <a:p>
-            <a:endParaRPr lang="en-US" dirty="0">
-              <a:latin typeface="Andale Mono" panose="020B0509000000000004" pitchFamily="49" charset="0"/>
-            </a:endParaRPr>
+                <a:hlinkClick r:id="rId4"/>
+              </a:rPr>
+              <a:t>from Spencer, J (2017) “The life changing magic of tidying up your data: The art and science of making data usable.</a:t>
+            </a:r>
+            <a:endParaRPr lang="en-US" dirty="0"/>
+          </a:p>
+          <a:p>
+            <a:endParaRPr lang="en-US" dirty="0"/>
           </a:p>
         </p:txBody>
       </p:sp>
     </p:spTree>
     <p:extLst>
       <p:ext uri="{BB962C8B-B14F-4D97-AF65-F5344CB8AC3E}">
-        <p14:creationId xmlns:p14="http://schemas.microsoft.com/office/powerpoint/2010/main" val="3009446259"/>
+        <p14:creationId xmlns:p14="http://schemas.microsoft.com/office/powerpoint/2010/main" val="2604004264"/>
       </p:ext>
     </p:extLst>
   </p:cSld>
